--- a/presentation/initial_presentation_new.pptx
+++ b/presentation/initial_presentation_new.pptx
@@ -10,7 +10,9 @@
     <p:sldId id="259" r:id="rId4"/>
     <p:sldId id="260" r:id="rId5"/>
     <p:sldId id="261" r:id="rId6"/>
-    <p:sldId id="262" r:id="rId7"/>
+    <p:sldId id="263" r:id="rId7"/>
+    <p:sldId id="264" r:id="rId8"/>
+    <p:sldId id="262" r:id="rId9"/>
   </p:sldIdLst>
   <p:sldSz cx="12192000" cy="6858000"/>
   <p:notesSz cx="6858000" cy="9144000"/>
@@ -449,7 +451,7 @@
             <a:fld id="{B61BEF0D-F0BB-DE4B-95CE-6DB70DBA9567}" type="datetimeFigureOut">
               <a:rPr lang="en-US" dirty="0"/>
               <a:pPr/>
-              <a:t>01-May-18</a:t>
+              <a:t>7/9/2018</a:t>
             </a:fld>
             <a:endParaRPr lang="en-US" dirty="0"/>
           </a:p>
@@ -770,7 +772,7 @@
             <a:fld id="{B61BEF0D-F0BB-DE4B-95CE-6DB70DBA9567}" type="datetimeFigureOut">
               <a:rPr lang="en-US" dirty="0"/>
               <a:pPr/>
-              <a:t>01-May-18</a:t>
+              <a:t>7/9/2018</a:t>
             </a:fld>
             <a:endParaRPr lang="en-US" dirty="0"/>
           </a:p>
@@ -1015,7 +1017,7 @@
             <a:fld id="{B61BEF0D-F0BB-DE4B-95CE-6DB70DBA9567}" type="datetimeFigureOut">
               <a:rPr lang="en-US" dirty="0"/>
               <a:pPr/>
-              <a:t>01-May-18</a:t>
+              <a:t>7/9/2018</a:t>
             </a:fld>
             <a:endParaRPr lang="en-US" dirty="0"/>
           </a:p>
@@ -1351,7 +1353,7 @@
             <a:fld id="{B61BEF0D-F0BB-DE4B-95CE-6DB70DBA9567}" type="datetimeFigureOut">
               <a:rPr lang="en-US" dirty="0"/>
               <a:pPr/>
-              <a:t>01-May-18</a:t>
+              <a:t>7/9/2018</a:t>
             </a:fld>
             <a:endParaRPr lang="en-US" dirty="0"/>
           </a:p>
@@ -1695,7 +1697,7 @@
             <a:fld id="{B61BEF0D-F0BB-DE4B-95CE-6DB70DBA9567}" type="datetimeFigureOut">
               <a:rPr lang="en-US" dirty="0"/>
               <a:pPr/>
-              <a:t>01-May-18</a:t>
+              <a:t>7/9/2018</a:t>
             </a:fld>
             <a:endParaRPr lang="en-US" dirty="0"/>
           </a:p>
@@ -2066,7 +2068,7 @@
             <a:fld id="{B61BEF0D-F0BB-DE4B-95CE-6DB70DBA9567}" type="datetimeFigureOut">
               <a:rPr lang="en-US" dirty="0"/>
               <a:pPr/>
-              <a:t>01-May-18</a:t>
+              <a:t>7/9/2018</a:t>
             </a:fld>
             <a:endParaRPr lang="en-US" dirty="0"/>
           </a:p>
@@ -2533,7 +2535,7 @@
             <a:fld id="{B61BEF0D-F0BB-DE4B-95CE-6DB70DBA9567}" type="datetimeFigureOut">
               <a:rPr lang="en-US" dirty="0"/>
               <a:pPr/>
-              <a:t>01-May-18</a:t>
+              <a:t>7/9/2018</a:t>
             </a:fld>
             <a:endParaRPr lang="en-US" dirty="0"/>
           </a:p>
@@ -2735,7 +2737,7 @@
             <a:fld id="{B61BEF0D-F0BB-DE4B-95CE-6DB70DBA9567}" type="datetimeFigureOut">
               <a:rPr lang="en-US" dirty="0"/>
               <a:pPr/>
-              <a:t>01-May-18</a:t>
+              <a:t>7/9/2018</a:t>
             </a:fld>
             <a:endParaRPr lang="en-US" dirty="0"/>
           </a:p>
@@ -2943,7 +2945,7 @@
             <a:fld id="{B61BEF0D-F0BB-DE4B-95CE-6DB70DBA9567}" type="datetimeFigureOut">
               <a:rPr lang="en-US" dirty="0"/>
               <a:pPr/>
-              <a:t>01-May-18</a:t>
+              <a:t>7/9/2018</a:t>
             </a:fld>
             <a:endParaRPr lang="en-US" dirty="0"/>
           </a:p>
@@ -3171,7 +3173,7 @@
           <a:p>
             <a:fld id="{52647F38-B617-4D2F-AE0A-013F0C4D2C57}" type="datetimeFigureOut">
               <a:rPr lang="en-US" dirty="0"/>
-              <a:t>01-May-18</a:t>
+              <a:t>7/9/2018</a:t>
             </a:fld>
             <a:endParaRPr lang="en-US" dirty="0"/>
           </a:p>
@@ -3415,7 +3417,7 @@
             <a:fld id="{B61BEF0D-F0BB-DE4B-95CE-6DB70DBA9567}" type="datetimeFigureOut">
               <a:rPr lang="en-US" dirty="0"/>
               <a:pPr/>
-              <a:t>01-May-18</a:t>
+              <a:t>7/9/2018</a:t>
             </a:fld>
             <a:endParaRPr lang="en-US" dirty="0"/>
           </a:p>
@@ -3709,7 +3711,7 @@
           <a:p>
             <a:fld id="{05BFA754-D5C3-4E66-96A6-867B257F58DC}" type="datetimeFigureOut">
               <a:rPr lang="en-US" dirty="0"/>
-              <a:t>01-May-18</a:t>
+              <a:t>7/9/2018</a:t>
             </a:fld>
             <a:endParaRPr lang="en-US" dirty="0"/>
           </a:p>
@@ -4099,7 +4101,7 @@
             <a:fld id="{B61BEF0D-F0BB-DE4B-95CE-6DB70DBA9567}" type="datetimeFigureOut">
               <a:rPr lang="en-US" dirty="0"/>
               <a:pPr/>
-              <a:t>01-May-18</a:t>
+              <a:t>7/9/2018</a:t>
             </a:fld>
             <a:endParaRPr lang="en-US" dirty="0"/>
           </a:p>
@@ -4245,7 +4247,7 @@
             <a:fld id="{B61BEF0D-F0BB-DE4B-95CE-6DB70DBA9567}" type="datetimeFigureOut">
               <a:rPr lang="en-US" dirty="0"/>
               <a:pPr/>
-              <a:t>01-May-18</a:t>
+              <a:t>7/9/2018</a:t>
             </a:fld>
             <a:endParaRPr lang="en-US" dirty="0"/>
           </a:p>
@@ -4368,7 +4370,7 @@
             <a:fld id="{B61BEF0D-F0BB-DE4B-95CE-6DB70DBA9567}" type="datetimeFigureOut">
               <a:rPr lang="en-US" dirty="0"/>
               <a:pPr/>
-              <a:t>01-May-18</a:t>
+              <a:t>7/9/2018</a:t>
             </a:fld>
             <a:endParaRPr lang="en-US" dirty="0"/>
           </a:p>
@@ -4620,7 +4622,7 @@
             <a:fld id="{B61BEF0D-F0BB-DE4B-95CE-6DB70DBA9567}" type="datetimeFigureOut">
               <a:rPr lang="en-US" dirty="0"/>
               <a:pPr/>
-              <a:t>01-May-18</a:t>
+              <a:t>7/9/2018</a:t>
             </a:fld>
             <a:endParaRPr lang="en-US" dirty="0"/>
           </a:p>
@@ -4932,7 +4934,7 @@
             <a:fld id="{B61BEF0D-F0BB-DE4B-95CE-6DB70DBA9567}" type="datetimeFigureOut">
               <a:rPr lang="en-US" dirty="0"/>
               <a:pPr/>
-              <a:t>01-May-18</a:t>
+              <a:t>7/9/2018</a:t>
             </a:fld>
             <a:endParaRPr lang="en-US" dirty="0"/>
           </a:p>
@@ -5280,7 +5282,7 @@
             <a:fld id="{B61BEF0D-F0BB-DE4B-95CE-6DB70DBA9567}" type="datetimeFigureOut">
               <a:rPr lang="en-US" dirty="0"/>
               <a:pPr/>
-              <a:t>01-May-18</a:t>
+              <a:t>7/9/2018</a:t>
             </a:fld>
             <a:endParaRPr lang="en-US" dirty="0"/>
           </a:p>
@@ -5824,7 +5826,7 @@
           <p:cNvPr id="2" name="Título 1">
             <a:extLst>
               <a:ext uri="{FF2B5EF4-FFF2-40B4-BE49-F238E27FC236}">
-                <a16:creationId xmlns="" xmlns:a16="http://schemas.microsoft.com/office/drawing/2014/main" id="{3FA7C9E9-C78E-4E9D-AE7F-C53155356DFC}"/>
+                <a16:creationId xmlns:a16="http://schemas.microsoft.com/office/drawing/2014/main" id="{3FA7C9E9-C78E-4E9D-AE7F-C53155356DFC}"/>
               </a:ext>
             </a:extLst>
           </p:cNvPr>
@@ -5844,26 +5846,13 @@
               <a:rPr lang="pt-BR" dirty="0"/>
               <a:t>Jogo Genius </a:t>
             </a:r>
-            <a:r>
-              <a:rPr lang="pt-BR" dirty="0" smtClean="0"/>
-              <a:t/>
-            </a:r>
             <a:br>
-              <a:rPr lang="pt-BR" dirty="0" smtClean="0"/>
+              <a:rPr lang="pt-BR" dirty="0"/>
             </a:br>
             <a:r>
-              <a:rPr lang="pt-BR" dirty="0" smtClean="0"/>
-              <a:t>Controlado </a:t>
-            </a:r>
-            <a:r>
               <a:rPr lang="pt-BR" dirty="0"/>
-              <a:t>por </a:t>
-            </a:r>
-            <a:r>
-              <a:rPr lang="pt-BR" dirty="0" smtClean="0"/>
-              <a:t>Voz</a:t>
-            </a:r>
-            <a:endParaRPr lang="pt-BR" dirty="0"/>
+              <a:t>Controlado por Voz</a:t>
+            </a:r>
           </a:p>
         </p:txBody>
       </p:sp>
@@ -5872,7 +5861,7 @@
           <p:cNvPr id="3" name="Subtítulo 2">
             <a:extLst>
               <a:ext uri="{FF2B5EF4-FFF2-40B4-BE49-F238E27FC236}">
-                <a16:creationId xmlns="" xmlns:a16="http://schemas.microsoft.com/office/drawing/2014/main" id="{ED4C74BD-78F6-424D-93FD-FCC4C842827A}"/>
+                <a16:creationId xmlns:a16="http://schemas.microsoft.com/office/drawing/2014/main" id="{ED4C74BD-78F6-424D-93FD-FCC4C842827A}"/>
               </a:ext>
             </a:extLst>
           </p:cNvPr>
@@ -5944,7 +5933,7 @@
           <p:cNvPr id="2" name="Título 1">
             <a:extLst>
               <a:ext uri="{FF2B5EF4-FFF2-40B4-BE49-F238E27FC236}">
-                <a16:creationId xmlns="" xmlns:a16="http://schemas.microsoft.com/office/drawing/2014/main" id="{0C6A9112-DCFC-4D90-BF52-85B20ACA1B49}"/>
+                <a16:creationId xmlns:a16="http://schemas.microsoft.com/office/drawing/2014/main" id="{0C6A9112-DCFC-4D90-BF52-85B20ACA1B49}"/>
               </a:ext>
             </a:extLst>
           </p:cNvPr>
@@ -5972,7 +5961,7 @@
           <p:cNvPr id="4" name="Espaço Reservado para Conteúdo 3">
             <a:extLst>
               <a:ext uri="{FF2B5EF4-FFF2-40B4-BE49-F238E27FC236}">
-                <a16:creationId xmlns="" xmlns:a16="http://schemas.microsoft.com/office/drawing/2014/main" id="{C4A01127-F706-4621-BACA-B576CAB593F9}"/>
+                <a16:creationId xmlns:a16="http://schemas.microsoft.com/office/drawing/2014/main" id="{C4A01127-F706-4621-BACA-B576CAB593F9}"/>
               </a:ext>
             </a:extLst>
           </p:cNvPr>
@@ -6012,7 +6001,7 @@
           <p:cNvPr id="6" name="Picture 2" descr="Resultado de imagem para genius game">
             <a:extLst>
               <a:ext uri="{FF2B5EF4-FFF2-40B4-BE49-F238E27FC236}">
-                <a16:creationId xmlns="" xmlns:a16="http://schemas.microsoft.com/office/drawing/2014/main" id="{B8DA838E-6D76-43A0-8FA5-0E10371B4874}"/>
+                <a16:creationId xmlns:a16="http://schemas.microsoft.com/office/drawing/2014/main" id="{B8DA838E-6D76-43A0-8FA5-0E10371B4874}"/>
               </a:ext>
             </a:extLst>
           </p:cNvPr>
@@ -6089,7 +6078,7 @@
           <p:cNvPr id="2" name="Título 1">
             <a:extLst>
               <a:ext uri="{FF2B5EF4-FFF2-40B4-BE49-F238E27FC236}">
-                <a16:creationId xmlns="" xmlns:a16="http://schemas.microsoft.com/office/drawing/2014/main" id="{5C615C4E-7E9A-4C3E-8180-C3E8EE8B51B5}"/>
+                <a16:creationId xmlns:a16="http://schemas.microsoft.com/office/drawing/2014/main" id="{5C615C4E-7E9A-4C3E-8180-C3E8EE8B51B5}"/>
               </a:ext>
             </a:extLst>
           </p:cNvPr>
@@ -6106,10 +6095,9 @@
           <a:lstStyle/>
           <a:p>
             <a:r>
-              <a:rPr lang="pt-BR" dirty="0" smtClean="0"/>
+              <a:rPr lang="pt-BR" dirty="0"/>
               <a:t>Metodologia</a:t>
             </a:r>
-            <a:endParaRPr lang="pt-BR" dirty="0"/>
           </a:p>
         </p:txBody>
       </p:sp>
@@ -6118,7 +6106,7 @@
           <p:cNvPr id="3" name="Espaço Reservado para Conteúdo 2">
             <a:extLst>
               <a:ext uri="{FF2B5EF4-FFF2-40B4-BE49-F238E27FC236}">
-                <a16:creationId xmlns="" xmlns:a16="http://schemas.microsoft.com/office/drawing/2014/main" id="{F22EBB75-6D02-4C99-95AF-62D4495B68BC}"/>
+                <a16:creationId xmlns:a16="http://schemas.microsoft.com/office/drawing/2014/main" id="{F22EBB75-6D02-4C99-95AF-62D4495B68BC}"/>
               </a:ext>
             </a:extLst>
           </p:cNvPr>
@@ -6167,54 +6155,34 @@
           </a:p>
           <a:p>
             <a:r>
-              <a:rPr lang="pt-BR" dirty="0" smtClean="0"/>
+              <a:rPr lang="pt-BR" dirty="0"/>
               <a:t>DTW (Entre amostra do jogador e a base de dados)</a:t>
             </a:r>
-            <a:endParaRPr lang="pt-BR" dirty="0"/>
           </a:p>
           <a:p>
             <a:r>
               <a:rPr lang="pt-BR" dirty="0"/>
-              <a:t>Média das </a:t>
-            </a:r>
-            <a:r>
-              <a:rPr lang="pt-BR" dirty="0" smtClean="0"/>
-              <a:t>distâncias</a:t>
-            </a:r>
-            <a:endParaRPr lang="pt-BR" dirty="0"/>
-          </a:p>
-          <a:p>
-            <a:r>
-              <a:rPr lang="pt-BR" dirty="0" smtClean="0"/>
-              <a:t>Seleção do </a:t>
-            </a:r>
-            <a:r>
-              <a:rPr lang="pt-BR" dirty="0" smtClean="0"/>
-              <a:t>Menor ponto</a:t>
-            </a:r>
-            <a:endParaRPr lang="pt-BR" dirty="0"/>
-          </a:p>
-          <a:p>
-            <a:r>
-              <a:rPr lang="pt-BR" dirty="0" smtClean="0"/>
-              <a:t>Detecção </a:t>
-            </a:r>
+              <a:t>Média das distâncias</a:t>
+            </a:r>
+          </a:p>
+          <a:p>
             <a:r>
               <a:rPr lang="pt-BR" dirty="0"/>
-              <a:t>da </a:t>
-            </a:r>
-            <a:r>
-              <a:rPr lang="pt-BR" dirty="0" smtClean="0"/>
-              <a:t>cor (escolha dentre os menores</a:t>
+              <a:t>Seleção do Menor ponto</a:t>
+            </a:r>
+          </a:p>
+          <a:p>
+            <a:r>
+              <a:rPr lang="pt-BR" dirty="0"/>
+              <a:t>Detecção da cor (escolha dentre os menores</a:t>
             </a:r>
             <a:br>
-              <a:rPr lang="pt-BR" dirty="0" smtClean="0"/>
+              <a:rPr lang="pt-BR" dirty="0"/>
             </a:br>
             <a:r>
-              <a:rPr lang="pt-BR" dirty="0" smtClean="0"/>
+              <a:rPr lang="pt-BR" dirty="0"/>
               <a:t>pontos para cada cor)</a:t>
             </a:r>
-            <a:endParaRPr lang="pt-BR" dirty="0"/>
           </a:p>
         </p:txBody>
       </p:sp>
@@ -6223,7 +6191,7 @@
           <p:cNvPr id="5" name="Imagem 4">
             <a:extLst>
               <a:ext uri="{FF2B5EF4-FFF2-40B4-BE49-F238E27FC236}">
-                <a16:creationId xmlns="" xmlns:a16="http://schemas.microsoft.com/office/drawing/2014/main" id="{369BF96B-0704-4626-A6E4-0D1540F260B8}"/>
+                <a16:creationId xmlns:a16="http://schemas.microsoft.com/office/drawing/2014/main" id="{369BF96B-0704-4626-A6E4-0D1540F260B8}"/>
               </a:ext>
             </a:extLst>
           </p:cNvPr>
@@ -6283,7 +6251,7 @@
           <p:cNvPr id="2" name="Título 1">
             <a:extLst>
               <a:ext uri="{FF2B5EF4-FFF2-40B4-BE49-F238E27FC236}">
-                <a16:creationId xmlns="" xmlns:a16="http://schemas.microsoft.com/office/drawing/2014/main" id="{4CE34E22-0C41-499C-8652-A3349A7F1EC5}"/>
+                <a16:creationId xmlns:a16="http://schemas.microsoft.com/office/drawing/2014/main" id="{4CE34E22-0C41-499C-8652-A3349A7F1EC5}"/>
               </a:ext>
             </a:extLst>
           </p:cNvPr>
@@ -6311,7 +6279,7 @@
           <p:cNvPr id="5" name="Espaço Reservado para Conteúdo 4">
             <a:extLst>
               <a:ext uri="{FF2B5EF4-FFF2-40B4-BE49-F238E27FC236}">
-                <a16:creationId xmlns="" xmlns:a16="http://schemas.microsoft.com/office/drawing/2014/main" id="{E537ABA1-CED7-42D3-9149-7BD0AB1E09F4}"/>
+                <a16:creationId xmlns:a16="http://schemas.microsoft.com/office/drawing/2014/main" id="{E537ABA1-CED7-42D3-9149-7BD0AB1E09F4}"/>
               </a:ext>
             </a:extLst>
           </p:cNvPr>
@@ -6340,7 +6308,7 @@
           <p:cNvPr id="6" name="Espaço Reservado para Conteúdo 2">
             <a:extLst>
               <a:ext uri="{FF2B5EF4-FFF2-40B4-BE49-F238E27FC236}">
-                <a16:creationId xmlns="" xmlns:a16="http://schemas.microsoft.com/office/drawing/2014/main" id="{AE35D46A-280A-43E4-86C7-12D0BDC8C284}"/>
+                <a16:creationId xmlns:a16="http://schemas.microsoft.com/office/drawing/2014/main" id="{AE35D46A-280A-43E4-86C7-12D0BDC8C284}"/>
               </a:ext>
             </a:extLst>
           </p:cNvPr>
@@ -6608,6 +6576,12 @@
             <a:r>
               <a:rPr lang="pt-BR" dirty="0"/>
               <a:t>Reconhecimento das diferente cores</a:t>
+            </a:r>
+          </a:p>
+          <a:p>
+            <a:r>
+              <a:rPr lang="pt-BR" dirty="0"/>
+              <a:t>Integração com Arduino</a:t>
             </a:r>
           </a:p>
           <a:p>
@@ -6650,7 +6624,7 @@
           <p:cNvPr id="2" name="Título 1">
             <a:extLst>
               <a:ext uri="{FF2B5EF4-FFF2-40B4-BE49-F238E27FC236}">
-                <a16:creationId xmlns="" xmlns:a16="http://schemas.microsoft.com/office/drawing/2014/main" id="{C49CD124-EDB7-4625-9DF3-B3F78A4F1FCA}"/>
+                <a16:creationId xmlns:a16="http://schemas.microsoft.com/office/drawing/2014/main" id="{C49CD124-EDB7-4625-9DF3-B3F78A4F1FCA}"/>
               </a:ext>
             </a:extLst>
           </p:cNvPr>
@@ -6668,7 +6642,7 @@
           <a:p>
             <a:r>
               <a:rPr lang="pt-BR" dirty="0"/>
-              <a:t>Trabalho Futuro</a:t>
+              <a:t>Velocidade de processamento</a:t>
             </a:r>
           </a:p>
         </p:txBody>
@@ -6678,7 +6652,7 @@
           <p:cNvPr id="3" name="Espaço Reservado para Conteúdo 2">
             <a:extLst>
               <a:ext uri="{FF2B5EF4-FFF2-40B4-BE49-F238E27FC236}">
-                <a16:creationId xmlns="" xmlns:a16="http://schemas.microsoft.com/office/drawing/2014/main" id="{3909838C-D82B-4FBA-A381-943B04E72AD8}"/>
+                <a16:creationId xmlns:a16="http://schemas.microsoft.com/office/drawing/2014/main" id="{3909838C-D82B-4FBA-A381-943B04E72AD8}"/>
               </a:ext>
             </a:extLst>
           </p:cNvPr>
@@ -6696,32 +6670,32 @@
           <a:p>
             <a:r>
               <a:rPr lang="pt-BR" dirty="0"/>
-              <a:t>Melhorar a detecção</a:t>
+              <a:t>Utilização de centroide para cada cor</a:t>
             </a:r>
           </a:p>
           <a:p>
             <a:r>
               <a:rPr lang="pt-BR" dirty="0"/>
-              <a:t>Deixar o processamento mais </a:t>
-            </a:r>
-            <a:r>
-              <a:rPr lang="pt-BR" dirty="0" smtClean="0"/>
-              <a:t>rápido</a:t>
-            </a:r>
-          </a:p>
-          <a:p>
-            <a:r>
-              <a:rPr lang="pt-BR" dirty="0" smtClean="0"/>
-              <a:t>Implementar o jogo no </a:t>
-            </a:r>
-            <a:r>
-              <a:rPr lang="pt-BR" dirty="0" err="1" smtClean="0"/>
-              <a:t>Arduino</a:t>
-            </a:r>
-            <a:r>
-              <a:rPr lang="pt-BR" dirty="0" smtClean="0"/>
-              <a:t> e comunicá-lo com o computador</a:t>
-            </a:r>
+              <a:t>De aproximadamente </a:t>
+            </a:r>
+            <a:r>
+              <a:rPr lang="pt-BR" dirty="0" err="1"/>
+              <a:t>max</a:t>
+            </a:r>
+            <a:r>
+              <a:rPr lang="pt-BR" dirty="0"/>
+              <a:t>=0.52s(utilizando todas as amostra) para </a:t>
+            </a:r>
+            <a:r>
+              <a:rPr lang="pt-BR" dirty="0" err="1"/>
+              <a:t>max</a:t>
+            </a:r>
+            <a:r>
+              <a:rPr lang="pt-BR" dirty="0"/>
+              <a:t>=0.11s (centroides)</a:t>
+            </a:r>
+          </a:p>
+          <a:p>
             <a:endParaRPr lang="pt-BR" dirty="0"/>
           </a:p>
         </p:txBody>
@@ -6731,7 +6705,7 @@
           <p:cNvPr id="5" name="Imagem 4">
             <a:extLst>
               <a:ext uri="{FF2B5EF4-FFF2-40B4-BE49-F238E27FC236}">
-                <a16:creationId xmlns="" xmlns:a16="http://schemas.microsoft.com/office/drawing/2014/main" id="{61969CFF-C66A-433B-AB99-91FF5900EF4F}"/>
+                <a16:creationId xmlns:a16="http://schemas.microsoft.com/office/drawing/2014/main" id="{61969CFF-C66A-433B-AB99-91FF5900EF4F}"/>
               </a:ext>
             </a:extLst>
           </p:cNvPr>
@@ -6791,7 +6765,7 @@
           <p:cNvPr id="2" name="Título 1">
             <a:extLst>
               <a:ext uri="{FF2B5EF4-FFF2-40B4-BE49-F238E27FC236}">
-                <a16:creationId xmlns="" xmlns:a16="http://schemas.microsoft.com/office/drawing/2014/main" id="{2E351F44-71A1-43AC-B92D-D708133D0CFA}"/>
+                <a16:creationId xmlns:a16="http://schemas.microsoft.com/office/drawing/2014/main" id="{B6725ED0-0BA8-4285-8E2E-9C44155AA256}"/>
               </a:ext>
             </a:extLst>
           </p:cNvPr>
@@ -6808,10 +6782,9 @@
           <a:lstStyle/>
           <a:p>
             <a:r>
-              <a:rPr lang="pt-BR" dirty="0" smtClean="0"/>
-              <a:t>FIM</a:t>
-            </a:r>
-            <a:endParaRPr lang="pt-BR" dirty="0"/>
+              <a:rPr lang="pt-BR" dirty="0"/>
+              <a:t>Precisão</a:t>
+            </a:r>
           </a:p>
         </p:txBody>
       </p:sp>
@@ -6820,7 +6793,211 @@
           <p:cNvPr id="3" name="Espaço Reservado para Conteúdo 2">
             <a:extLst>
               <a:ext uri="{FF2B5EF4-FFF2-40B4-BE49-F238E27FC236}">
-                <a16:creationId xmlns="" xmlns:a16="http://schemas.microsoft.com/office/drawing/2014/main" id="{5F698A47-27D9-4D59-9483-3A3A24B9163C}"/>
+                <a16:creationId xmlns:a16="http://schemas.microsoft.com/office/drawing/2014/main" id="{CBE5305F-9768-437B-BD66-0EAFB22E2A72}"/>
+              </a:ext>
+            </a:extLst>
+          </p:cNvPr>
+          <p:cNvSpPr>
+            <a:spLocks noGrp="1"/>
+          </p:cNvSpPr>
+          <p:nvPr>
+            <p:ph idx="1"/>
+          </p:nvPr>
+        </p:nvSpPr>
+        <p:spPr/>
+        <p:txBody>
+          <a:bodyPr/>
+          <a:lstStyle/>
+          <a:p>
+            <a:r>
+              <a:rPr lang="pt-BR" dirty="0"/>
+              <a:t>Taxa de acerto:</a:t>
+            </a:r>
+          </a:p>
+          <a:p>
+            <a:pPr lvl="1"/>
+            <a:r>
+              <a:rPr lang="pt-BR" dirty="0"/>
+              <a:t>Usando todas as amostras:</a:t>
+            </a:r>
+          </a:p>
+          <a:p>
+            <a:pPr lvl="2"/>
+            <a:r>
+              <a:rPr lang="pt-BR" dirty="0"/>
+              <a:t>100% de acerto para todas as cores</a:t>
+            </a:r>
+          </a:p>
+          <a:p>
+            <a:pPr lvl="1"/>
+            <a:r>
+              <a:rPr lang="pt-BR" dirty="0"/>
+              <a:t>Usando somente os centroides:</a:t>
+            </a:r>
+          </a:p>
+          <a:p>
+            <a:pPr lvl="2"/>
+            <a:r>
+              <a:rPr lang="pt-BR" dirty="0"/>
+              <a:t>72.2% de acerto (13 entre 18 amostras)</a:t>
+            </a:r>
+          </a:p>
+        </p:txBody>
+      </p:sp>
+    </p:spTree>
+    <p:extLst>
+      <p:ext uri="{BB962C8B-B14F-4D97-AF65-F5344CB8AC3E}">
+        <p14:creationId xmlns:p14="http://schemas.microsoft.com/office/powerpoint/2010/main" val="1117498555"/>
+      </p:ext>
+    </p:extLst>
+  </p:cSld>
+  <p:clrMapOvr>
+    <a:masterClrMapping/>
+  </p:clrMapOvr>
+</p:sld>
+</file>
+
+<file path=ppt/slides/slide7.xml><?xml version="1.0" encoding="utf-8"?>
+<p:sld xmlns:a="http://schemas.openxmlformats.org/drawingml/2006/main" xmlns:r="http://schemas.openxmlformats.org/officeDocument/2006/relationships" xmlns:p="http://schemas.openxmlformats.org/presentationml/2006/main">
+  <p:cSld>
+    <p:spTree>
+      <p:nvGrpSpPr>
+        <p:cNvPr id="1" name=""/>
+        <p:cNvGrpSpPr/>
+        <p:nvPr/>
+      </p:nvGrpSpPr>
+      <p:grpSpPr>
+        <a:xfrm>
+          <a:off x="0" y="0"/>
+          <a:ext cx="0" cy="0"/>
+          <a:chOff x="0" y="0"/>
+          <a:chExt cx="0" cy="0"/>
+        </a:xfrm>
+      </p:grpSpPr>
+      <p:sp>
+        <p:nvSpPr>
+          <p:cNvPr id="2" name="Título 1">
+            <a:extLst>
+              <a:ext uri="{FF2B5EF4-FFF2-40B4-BE49-F238E27FC236}">
+                <a16:creationId xmlns:a16="http://schemas.microsoft.com/office/drawing/2014/main" id="{243A52B0-8E84-42C5-B9C3-55774A2AF1D2}"/>
+              </a:ext>
+            </a:extLst>
+          </p:cNvPr>
+          <p:cNvSpPr>
+            <a:spLocks noGrp="1"/>
+          </p:cNvSpPr>
+          <p:nvPr>
+            <p:ph type="title"/>
+          </p:nvPr>
+        </p:nvSpPr>
+        <p:spPr/>
+        <p:txBody>
+          <a:bodyPr/>
+          <a:lstStyle/>
+          <a:p>
+            <a:r>
+              <a:rPr lang="pt-BR" dirty="0"/>
+              <a:t>Matriz de confusão (centroides)</a:t>
+            </a:r>
+          </a:p>
+        </p:txBody>
+      </p:sp>
+      <p:pic>
+        <p:nvPicPr>
+          <p:cNvPr id="5" name="Espaço Reservado para Conteúdo 4">
+            <a:extLst>
+              <a:ext uri="{FF2B5EF4-FFF2-40B4-BE49-F238E27FC236}">
+                <a16:creationId xmlns:a16="http://schemas.microsoft.com/office/drawing/2014/main" id="{410D4798-651F-475E-ADA0-FE29117EC4CD}"/>
+              </a:ext>
+            </a:extLst>
+          </p:cNvPr>
+          <p:cNvPicPr>
+            <a:picLocks noGrp="1" noChangeAspect="1"/>
+          </p:cNvPicPr>
+          <p:nvPr>
+            <p:ph idx="1"/>
+          </p:nvPr>
+        </p:nvPicPr>
+        <p:blipFill>
+          <a:blip r:embed="rId2"/>
+          <a:stretch>
+            <a:fillRect/>
+          </a:stretch>
+        </p:blipFill>
+        <p:spPr>
+          <a:xfrm>
+            <a:off x="2428875" y="2616200"/>
+            <a:ext cx="7334250" cy="3200400"/>
+          </a:xfrm>
+          <a:prstGeom prst="rect">
+            <a:avLst/>
+          </a:prstGeom>
+        </p:spPr>
+      </p:pic>
+    </p:spTree>
+    <p:extLst>
+      <p:ext uri="{BB962C8B-B14F-4D97-AF65-F5344CB8AC3E}">
+        <p14:creationId xmlns:p14="http://schemas.microsoft.com/office/powerpoint/2010/main" val="363838193"/>
+      </p:ext>
+    </p:extLst>
+  </p:cSld>
+  <p:clrMapOvr>
+    <a:masterClrMapping/>
+  </p:clrMapOvr>
+</p:sld>
+</file>
+
+<file path=ppt/slides/slide8.xml><?xml version="1.0" encoding="utf-8"?>
+<p:sld xmlns:a="http://schemas.openxmlformats.org/drawingml/2006/main" xmlns:r="http://schemas.openxmlformats.org/officeDocument/2006/relationships" xmlns:p="http://schemas.openxmlformats.org/presentationml/2006/main">
+  <p:cSld>
+    <p:spTree>
+      <p:nvGrpSpPr>
+        <p:cNvPr id="1" name=""/>
+        <p:cNvGrpSpPr/>
+        <p:nvPr/>
+      </p:nvGrpSpPr>
+      <p:grpSpPr>
+        <a:xfrm>
+          <a:off x="0" y="0"/>
+          <a:ext cx="0" cy="0"/>
+          <a:chOff x="0" y="0"/>
+          <a:chExt cx="0" cy="0"/>
+        </a:xfrm>
+      </p:grpSpPr>
+      <p:sp>
+        <p:nvSpPr>
+          <p:cNvPr id="2" name="Título 1">
+            <a:extLst>
+              <a:ext uri="{FF2B5EF4-FFF2-40B4-BE49-F238E27FC236}">
+                <a16:creationId xmlns:a16="http://schemas.microsoft.com/office/drawing/2014/main" id="{2E351F44-71A1-43AC-B92D-D708133D0CFA}"/>
+              </a:ext>
+            </a:extLst>
+          </p:cNvPr>
+          <p:cNvSpPr>
+            <a:spLocks noGrp="1"/>
+          </p:cNvSpPr>
+          <p:nvPr>
+            <p:ph type="title"/>
+          </p:nvPr>
+        </p:nvSpPr>
+        <p:spPr/>
+        <p:txBody>
+          <a:bodyPr/>
+          <a:lstStyle/>
+          <a:p>
+            <a:r>
+              <a:rPr lang="pt-BR" dirty="0"/>
+              <a:t>FIM</a:t>
+            </a:r>
+          </a:p>
+        </p:txBody>
+      </p:sp>
+      <p:sp>
+        <p:nvSpPr>
+          <p:cNvPr id="3" name="Espaço Reservado para Conteúdo 2">
+            <a:extLst>
+              <a:ext uri="{FF2B5EF4-FFF2-40B4-BE49-F238E27FC236}">
+                <a16:creationId xmlns:a16="http://schemas.microsoft.com/office/drawing/2014/main" id="{5F698A47-27D9-4D59-9483-3A3A24B9163C}"/>
               </a:ext>
             </a:extLst>
           </p:cNvPr>
@@ -6847,10 +7024,9 @@
               <a:buNone/>
             </a:pPr>
             <a:r>
-              <a:rPr lang="pt-BR" sz="4000" b="1" dirty="0" smtClean="0"/>
+              <a:rPr lang="pt-BR" sz="4000" b="1" dirty="0"/>
               <a:t>Obrigado!</a:t>
             </a:r>
-            <a:endParaRPr lang="pt-BR" sz="4000" b="1" dirty="0"/>
           </a:p>
         </p:txBody>
       </p:sp>
